--- a/shi jiang ke/Lecture.pptx
+++ b/shi jiang ke/Lecture.pptx
@@ -9955,10 +9955,12 @@
               <a:t>Email: </a:t>
             </a:r>
             <a:r>
-              <a:rPr lang="en-US" dirty="0" err="1" smtClean="0"/>
+              <a:rPr lang="en-US" dirty="0" smtClean="0">
+                <a:hlinkClick r:id="rId3"/>
+              </a:rPr>
               <a:t>percytsy@gmail.com</a:t>
             </a:r>
-            <a:endParaRPr lang="en-US" dirty="0"/>
+            <a:endParaRPr lang="en-US" dirty="0" smtClean="0"/>
           </a:p>
         </p:txBody>
       </p:sp>
@@ -11482,6 +11484,10 @@
               <a:rPr lang="is-IS" dirty="0" smtClean="0"/>
               <a:t>…. </a:t>
             </a:r>
+            <a:r>
+              <a:rPr lang="is-IS" smtClean="0"/>
+              <a:t>(and/or logic)</a:t>
+            </a:r>
             <a:endParaRPr lang="en-US" dirty="0" smtClean="0"/>
           </a:p>
           <a:p>
@@ -11502,7 +11508,15 @@
             </a:r>
             <a:r>
               <a:rPr lang="is-IS" dirty="0" smtClean="0"/>
-              <a:t>reate, access, update, delete, get length, concatenation</a:t>
+              <a:t>reate, </a:t>
+            </a:r>
+            <a:r>
+              <a:rPr lang="is-IS" dirty="0" smtClean="0"/>
+              <a:t>access(reverse, range), </a:t>
+            </a:r>
+            <a:r>
+              <a:rPr lang="is-IS" dirty="0" smtClean="0"/>
+              <a:t>update, delete, get length, concatenation</a:t>
             </a:r>
           </a:p>
           <a:p>

--- a/shi jiang ke/Lecture.pptx
+++ b/shi jiang ke/Lecture.pptx
@@ -314,7 +314,7 @@
             <a:fld id="{87DE6118-2437-4B30-8E3C-4D2BE6020583}" type="datetimeFigureOut">
               <a:rPr lang="en-US" smtClean="0"/>
               <a:pPr/>
-              <a:t>9/25/16</a:t>
+              <a:t>10/10/16</a:t>
             </a:fld>
             <a:endParaRPr lang="en-US" dirty="0"/>
           </a:p>
@@ -659,7 +659,7 @@
             <a:fld id="{87DE6118-2437-4B30-8E3C-4D2BE6020583}" type="datetimeFigureOut">
               <a:rPr lang="en-US" smtClean="0"/>
               <a:pPr/>
-              <a:t>9/25/16</a:t>
+              <a:t>10/10/16</a:t>
             </a:fld>
             <a:endParaRPr lang="en-US" dirty="0"/>
           </a:p>
@@ -1062,7 +1062,7 @@
             <a:fld id="{87DE6118-2437-4B30-8E3C-4D2BE6020583}" type="datetimeFigureOut">
               <a:rPr lang="en-US" smtClean="0"/>
               <a:pPr/>
-              <a:t>9/25/16</a:t>
+              <a:t>10/10/16</a:t>
             </a:fld>
             <a:endParaRPr lang="en-US" dirty="0"/>
           </a:p>
@@ -1399,7 +1399,7 @@
             <a:fld id="{87DE6118-2437-4B30-8E3C-4D2BE6020583}" type="datetimeFigureOut">
               <a:rPr lang="en-US" smtClean="0"/>
               <a:pPr/>
-              <a:t>9/25/16</a:t>
+              <a:t>10/10/16</a:t>
             </a:fld>
             <a:endParaRPr lang="en-US" dirty="0"/>
           </a:p>
@@ -1721,7 +1721,7 @@
             <a:fld id="{87DE6118-2437-4B30-8E3C-4D2BE6020583}" type="datetimeFigureOut">
               <a:rPr lang="en-US" smtClean="0"/>
               <a:pPr/>
-              <a:t>9/25/16</a:t>
+              <a:t>10/10/16</a:t>
             </a:fld>
             <a:endParaRPr lang="en-US" dirty="0"/>
           </a:p>
@@ -2119,7 +2119,7 @@
             <a:fld id="{87DE6118-2437-4B30-8E3C-4D2BE6020583}" type="datetimeFigureOut">
               <a:rPr lang="en-US" smtClean="0"/>
               <a:pPr/>
-              <a:t>9/25/16</a:t>
+              <a:t>10/10/16</a:t>
             </a:fld>
             <a:endParaRPr lang="en-US" dirty="0"/>
           </a:p>
@@ -2377,7 +2377,7 @@
           <a:p>
             <a:fld id="{87DE6118-2437-4B30-8E3C-4D2BE6020583}" type="datetimeFigureOut">
               <a:rPr lang="en-US" smtClean="0"/>
-              <a:t>9/25/16</a:t>
+              <a:t>10/10/16</a:t>
             </a:fld>
             <a:endParaRPr lang="en-US" dirty="0"/>
           </a:p>
@@ -2639,7 +2639,7 @@
           <a:p>
             <a:fld id="{87DE6118-2437-4B30-8E3C-4D2BE6020583}" type="datetimeFigureOut">
               <a:rPr lang="en-US" smtClean="0"/>
-              <a:t>9/25/16</a:t>
+              <a:t>10/10/16</a:t>
             </a:fld>
             <a:endParaRPr lang="en-US" dirty="0"/>
           </a:p>
@@ -2901,7 +2901,7 @@
           <a:p>
             <a:fld id="{87DE6118-2437-4B30-8E3C-4D2BE6020583}" type="datetimeFigureOut">
               <a:rPr lang="en-US" smtClean="0"/>
-              <a:t>9/25/16</a:t>
+              <a:t>10/10/16</a:t>
             </a:fld>
             <a:endParaRPr lang="en-US" dirty="0"/>
           </a:p>
@@ -3231,7 +3231,7 @@
             <a:fld id="{87DE6118-2437-4B30-8E3C-4D2BE6020583}" type="datetimeFigureOut">
               <a:rPr lang="en-US" smtClean="0"/>
               <a:pPr/>
-              <a:t>9/25/16</a:t>
+              <a:t>10/10/16</a:t>
             </a:fld>
             <a:endParaRPr lang="en-US" dirty="0"/>
           </a:p>
@@ -3555,7 +3555,7 @@
           <a:p>
             <a:fld id="{87DE6118-2437-4B30-8E3C-4D2BE6020583}" type="datetimeFigureOut">
               <a:rPr lang="en-US" smtClean="0"/>
-              <a:t>9/25/16</a:t>
+              <a:t>10/10/16</a:t>
             </a:fld>
             <a:endParaRPr lang="en-US" dirty="0"/>
           </a:p>
@@ -4017,7 +4017,7 @@
           <a:p>
             <a:fld id="{87DE6118-2437-4B30-8E3C-4D2BE6020583}" type="datetimeFigureOut">
               <a:rPr lang="en-US" smtClean="0"/>
-              <a:t>9/25/16</a:t>
+              <a:t>10/10/16</a:t>
             </a:fld>
             <a:endParaRPr lang="en-US" dirty="0"/>
           </a:p>
@@ -4227,7 +4227,7 @@
           <a:p>
             <a:fld id="{87DE6118-2437-4B30-8E3C-4D2BE6020583}" type="datetimeFigureOut">
               <a:rPr lang="en-US" smtClean="0"/>
-              <a:t>9/25/16</a:t>
+              <a:t>10/10/16</a:t>
             </a:fld>
             <a:endParaRPr lang="en-US" dirty="0"/>
           </a:p>
@@ -4404,7 +4404,7 @@
           <a:p>
             <a:fld id="{87DE6118-2437-4B30-8E3C-4D2BE6020583}" type="datetimeFigureOut">
               <a:rPr lang="en-US" smtClean="0"/>
-              <a:t>9/25/16</a:t>
+              <a:t>10/10/16</a:t>
             </a:fld>
             <a:endParaRPr lang="en-US" dirty="0"/>
           </a:p>
@@ -4743,7 +4743,7 @@
             <a:fld id="{87DE6118-2437-4B30-8E3C-4D2BE6020583}" type="datetimeFigureOut">
               <a:rPr lang="en-US" smtClean="0"/>
               <a:pPr/>
-              <a:t>9/25/16</a:t>
+              <a:t>10/10/16</a:t>
             </a:fld>
             <a:endParaRPr lang="en-US" dirty="0"/>
           </a:p>
@@ -5095,7 +5095,7 @@
             <a:fld id="{87DE6118-2437-4B30-8E3C-4D2BE6020583}" type="datetimeFigureOut">
               <a:rPr lang="en-US" smtClean="0"/>
               <a:pPr/>
-              <a:t>9/25/16</a:t>
+              <a:t>10/10/16</a:t>
             </a:fld>
             <a:endParaRPr lang="en-US" dirty="0"/>
           </a:p>
@@ -7214,7 +7214,7 @@
             <a:fld id="{87DE6118-2437-4B30-8E3C-4D2BE6020583}" type="datetimeFigureOut">
               <a:rPr lang="en-US" smtClean="0"/>
               <a:pPr/>
-              <a:t>9/25/16</a:t>
+              <a:t>10/10/16</a:t>
             </a:fld>
             <a:endParaRPr lang="en-US" dirty="0"/>
           </a:p>
@@ -10544,7 +10544,6 @@
               <a:rPr lang="en-US" dirty="0" smtClean="0"/>
               <a:t>lists</a:t>
             </a:r>
-            <a:endParaRPr lang="en-US" dirty="0" smtClean="0"/>
           </a:p>
           <a:p>
             <a:r>
@@ -11458,13 +11457,8 @@
             </a:r>
             <a:r>
               <a:rPr lang="en-US" dirty="0" smtClean="0"/>
-              <a:t> = </a:t>
-            </a:r>
-            <a:r>
-              <a:rPr lang="en-US" dirty="0" smtClean="0"/>
-              <a:t>3.1415</a:t>
-            </a:r>
-            <a:endParaRPr lang="en-US" dirty="0" smtClean="0"/>
+              <a:t> = 3.1415</a:t>
+            </a:r>
           </a:p>
           <a:p>
             <a:pPr lvl="1"/>
@@ -11482,11 +11476,7 @@
             </a:r>
             <a:r>
               <a:rPr lang="is-IS" dirty="0" smtClean="0"/>
-              <a:t>…. </a:t>
-            </a:r>
-            <a:r>
-              <a:rPr lang="is-IS" smtClean="0"/>
-              <a:t>(and/or logic)</a:t>
+              <a:t>…. (and/or logic)</a:t>
             </a:r>
             <a:endParaRPr lang="en-US" dirty="0" smtClean="0"/>
           </a:p>
@@ -11508,16 +11498,33 @@
             </a:r>
             <a:r>
               <a:rPr lang="is-IS" dirty="0" smtClean="0"/>
-              <a:t>reate, </a:t>
+              <a:t>reate, access(reverse, range), </a:t>
             </a:r>
             <a:r>
               <a:rPr lang="is-IS" dirty="0" smtClean="0"/>
-              <a:t>access(reverse, range), </a:t>
+              <a:t>update, </a:t>
             </a:r>
             <a:r>
               <a:rPr lang="is-IS" dirty="0" smtClean="0"/>
-              <a:t>update, delete, get length, concatenation</a:t>
-            </a:r>
+              <a:t>get length, </a:t>
+            </a:r>
+            <a:r>
+              <a:rPr lang="is-IS" dirty="0" smtClean="0"/>
+              <a:t>concatenation</a:t>
+            </a:r>
+            <a:r>
+              <a:rPr lang="en-US" altLang="zh-CN" dirty="0" smtClean="0"/>
+              <a:t>,</a:t>
+            </a:r>
+            <a:r>
+              <a:rPr lang="zh-CN" altLang="en-US" dirty="0" smtClean="0"/>
+              <a:t> </a:t>
+            </a:r>
+            <a:r>
+              <a:rPr lang="is-IS" dirty="0"/>
+              <a:t>delete</a:t>
+            </a:r>
+            <a:endParaRPr lang="is-IS" dirty="0" smtClean="0"/>
           </a:p>
           <a:p>
             <a:r>
@@ -13497,11 +13504,7 @@
             </a:r>
             <a:r>
               <a:rPr lang="is-IS" dirty="0" smtClean="0"/>
-              <a:t>rint(...) </a:t>
-            </a:r>
-            <a:r>
-              <a:rPr lang="is-IS" dirty="0" smtClean="0"/>
-              <a:t>: display/show on the screen</a:t>
+              <a:t>rint(...) : display/show on the screen</a:t>
             </a:r>
             <a:endParaRPr lang="en-US" dirty="0" smtClean="0"/>
           </a:p>
@@ -13601,15 +13604,7 @@
             <a:pPr lvl="1"/>
             <a:r>
               <a:rPr lang="en-US" dirty="0" smtClean="0"/>
-              <a:t>Only round up when </a:t>
-            </a:r>
-            <a:r>
-              <a:rPr lang="en-US" dirty="0" smtClean="0"/>
-              <a:t>integer part </a:t>
-            </a:r>
-            <a:r>
-              <a:rPr lang="en-US" dirty="0" smtClean="0"/>
-              <a:t>is  an odd number</a:t>
+              <a:t>Only round up when integer part is  an odd number</a:t>
             </a:r>
           </a:p>
           <a:p>
